--- a/Capstone/1/Capstone/capstone1_presentation.pptx
+++ b/Capstone/1/Capstone/capstone1_presentation.pptx
@@ -119,6 +119,11 @@
       </a:defRPr>
     </a:lvl9pPr>
   </p:defaultTextStyle>
+  <p:extLst>
+    <p:ext uri="{EFAFB233-063F-42B5-8137-9DF3F51BA10A}">
+      <p15:sldGuideLst xmlns:p15="http://schemas.microsoft.com/office/powerpoint/2012/main"/>
+    </p:ext>
+  </p:extLst>
 </p:presentation>
 </file>
 
@@ -454,7 +459,7 @@
             <a:fld id="{B61BEF0D-F0BB-DE4B-95CE-6DB70DBA9567}" type="datetimeFigureOut">
               <a:rPr lang="en-US" dirty="0"/>
               <a:pPr/>
-              <a:t>8/11/2019</a:t>
+              <a:t>8/15/2019</a:t>
             </a:fld>
             <a:endParaRPr lang="en-US" dirty="0"/>
           </a:p>
@@ -775,7 +780,7 @@
             <a:fld id="{B61BEF0D-F0BB-DE4B-95CE-6DB70DBA9567}" type="datetimeFigureOut">
               <a:rPr lang="en-US" dirty="0"/>
               <a:pPr/>
-              <a:t>8/11/2019</a:t>
+              <a:t>8/15/2019</a:t>
             </a:fld>
             <a:endParaRPr lang="en-US" dirty="0"/>
           </a:p>
@@ -1020,7 +1025,7 @@
             <a:fld id="{B61BEF0D-F0BB-DE4B-95CE-6DB70DBA9567}" type="datetimeFigureOut">
               <a:rPr lang="en-US" dirty="0"/>
               <a:pPr/>
-              <a:t>8/11/2019</a:t>
+              <a:t>8/15/2019</a:t>
             </a:fld>
             <a:endParaRPr lang="en-US" dirty="0"/>
           </a:p>
@@ -1356,7 +1361,7 @@
             <a:fld id="{B61BEF0D-F0BB-DE4B-95CE-6DB70DBA9567}" type="datetimeFigureOut">
               <a:rPr lang="en-US" dirty="0"/>
               <a:pPr/>
-              <a:t>8/11/2019</a:t>
+              <a:t>8/15/2019</a:t>
             </a:fld>
             <a:endParaRPr lang="en-US" dirty="0"/>
           </a:p>
@@ -1700,7 +1705,7 @@
             <a:fld id="{B61BEF0D-F0BB-DE4B-95CE-6DB70DBA9567}" type="datetimeFigureOut">
               <a:rPr lang="en-US" dirty="0"/>
               <a:pPr/>
-              <a:t>8/11/2019</a:t>
+              <a:t>8/15/2019</a:t>
             </a:fld>
             <a:endParaRPr lang="en-US" dirty="0"/>
           </a:p>
@@ -2071,7 +2076,7 @@
             <a:fld id="{B61BEF0D-F0BB-DE4B-95CE-6DB70DBA9567}" type="datetimeFigureOut">
               <a:rPr lang="en-US" dirty="0"/>
               <a:pPr/>
-              <a:t>8/11/2019</a:t>
+              <a:t>8/15/2019</a:t>
             </a:fld>
             <a:endParaRPr lang="en-US" dirty="0"/>
           </a:p>
@@ -2538,7 +2543,7 @@
             <a:fld id="{B61BEF0D-F0BB-DE4B-95CE-6DB70DBA9567}" type="datetimeFigureOut">
               <a:rPr lang="en-US" dirty="0"/>
               <a:pPr/>
-              <a:t>8/11/2019</a:t>
+              <a:t>8/15/2019</a:t>
             </a:fld>
             <a:endParaRPr lang="en-US" dirty="0"/>
           </a:p>
@@ -2740,7 +2745,7 @@
             <a:fld id="{B61BEF0D-F0BB-DE4B-95CE-6DB70DBA9567}" type="datetimeFigureOut">
               <a:rPr lang="en-US" dirty="0"/>
               <a:pPr/>
-              <a:t>8/11/2019</a:t>
+              <a:t>8/15/2019</a:t>
             </a:fld>
             <a:endParaRPr lang="en-US" dirty="0"/>
           </a:p>
@@ -2948,7 +2953,7 @@
             <a:fld id="{B61BEF0D-F0BB-DE4B-95CE-6DB70DBA9567}" type="datetimeFigureOut">
               <a:rPr lang="en-US" dirty="0"/>
               <a:pPr/>
-              <a:t>8/11/2019</a:t>
+              <a:t>8/15/2019</a:t>
             </a:fld>
             <a:endParaRPr lang="en-US" dirty="0"/>
           </a:p>
@@ -3176,7 +3181,7 @@
           <a:p>
             <a:fld id="{05BFA754-D5C3-4E66-96A6-867B257F58DC}" type="datetimeFigureOut">
               <a:rPr lang="en-US" dirty="0"/>
-              <a:t>8/11/2019</a:t>
+              <a:t>8/15/2019</a:t>
             </a:fld>
             <a:endParaRPr lang="en-US" dirty="0"/>
           </a:p>
@@ -3420,7 +3425,7 @@
             <a:fld id="{B61BEF0D-F0BB-DE4B-95CE-6DB70DBA9567}" type="datetimeFigureOut">
               <a:rPr lang="en-US" dirty="0"/>
               <a:pPr/>
-              <a:t>8/11/2019</a:t>
+              <a:t>8/15/2019</a:t>
             </a:fld>
             <a:endParaRPr lang="en-US" dirty="0"/>
           </a:p>
@@ -3683,7 +3688,7 @@
           <a:p>
             <a:fld id="{05BFA754-D5C3-4E66-96A6-867B257F58DC}" type="datetimeFigureOut">
               <a:rPr lang="en-US" dirty="0"/>
-              <a:t>8/11/2019</a:t>
+              <a:t>8/15/2019</a:t>
             </a:fld>
             <a:endParaRPr lang="en-US" dirty="0"/>
           </a:p>
@@ -4092,7 +4097,7 @@
             <a:fld id="{B61BEF0D-F0BB-DE4B-95CE-6DB70DBA9567}" type="datetimeFigureOut">
               <a:rPr lang="en-US" dirty="0"/>
               <a:pPr/>
-              <a:t>8/11/2019</a:t>
+              <a:t>8/15/2019</a:t>
             </a:fld>
             <a:endParaRPr lang="en-US" dirty="0"/>
           </a:p>
@@ -4238,7 +4243,7 @@
             <a:fld id="{B61BEF0D-F0BB-DE4B-95CE-6DB70DBA9567}" type="datetimeFigureOut">
               <a:rPr lang="en-US" dirty="0"/>
               <a:pPr/>
-              <a:t>8/11/2019</a:t>
+              <a:t>8/15/2019</a:t>
             </a:fld>
             <a:endParaRPr lang="en-US" dirty="0"/>
           </a:p>
@@ -4361,7 +4366,7 @@
             <a:fld id="{B61BEF0D-F0BB-DE4B-95CE-6DB70DBA9567}" type="datetimeFigureOut">
               <a:rPr lang="en-US" dirty="0"/>
               <a:pPr/>
-              <a:t>8/11/2019</a:t>
+              <a:t>8/15/2019</a:t>
             </a:fld>
             <a:endParaRPr lang="en-US" dirty="0"/>
           </a:p>
@@ -4613,7 +4618,7 @@
             <a:fld id="{B61BEF0D-F0BB-DE4B-95CE-6DB70DBA9567}" type="datetimeFigureOut">
               <a:rPr lang="en-US" dirty="0"/>
               <a:pPr/>
-              <a:t>8/11/2019</a:t>
+              <a:t>8/15/2019</a:t>
             </a:fld>
             <a:endParaRPr lang="en-US" dirty="0"/>
           </a:p>
@@ -4925,7 +4930,7 @@
             <a:fld id="{B61BEF0D-F0BB-DE4B-95CE-6DB70DBA9567}" type="datetimeFigureOut">
               <a:rPr lang="en-US" dirty="0"/>
               <a:pPr/>
-              <a:t>8/11/2019</a:t>
+              <a:t>8/15/2019</a:t>
             </a:fld>
             <a:endParaRPr lang="en-US" dirty="0"/>
           </a:p>
@@ -5273,7 +5278,7 @@
             <a:fld id="{B61BEF0D-F0BB-DE4B-95CE-6DB70DBA9567}" type="datetimeFigureOut">
               <a:rPr lang="en-US" dirty="0"/>
               <a:pPr/>
-              <a:t>8/11/2019</a:t>
+              <a:t>8/15/2019</a:t>
             </a:fld>
             <a:endParaRPr lang="en-US" dirty="0"/>
           </a:p>
@@ -6336,7 +6341,7 @@
         </p:spPr>
         <p:txBody>
           <a:bodyPr>
-            <a:normAutofit/>
+            <a:normAutofit lnSpcReduction="10000"/>
           </a:bodyPr>
           <a:lstStyle/>
           <a:p>
@@ -6348,7 +6353,13 @@
           <a:p>
             <a:r>
               <a:rPr lang="en-US" dirty="0"/>
-              <a:t>Regularized by comparing the cross-validation scores with different values of alpha. </a:t>
+              <a:t>Regularized by comparing the cross-validation scores with different values of alpha</a:t>
+            </a:r>
+          </a:p>
+          <a:p>
+            <a:r>
+              <a:rPr lang="en-US" dirty="0"/>
+              <a:t>Alpha values picked through trial and error</a:t>
             </a:r>
           </a:p>
           <a:p>
@@ -6859,7 +6870,7 @@
         </p:spPr>
         <p:txBody>
           <a:bodyPr>
-            <a:normAutofit fontScale="92500"/>
+            <a:normAutofit fontScale="92500" lnSpcReduction="10000"/>
           </a:bodyPr>
           <a:lstStyle/>
           <a:p>
@@ -6877,7 +6888,7 @@
           <a:p>
             <a:r>
               <a:rPr lang="en-US" dirty="0"/>
-              <a:t>This project did identify what features are correlated to workaholism.  </a:t>
+              <a:t>This project did identify what features are correlated to workaholism through the  Pearson Coefficients. </a:t>
             </a:r>
           </a:p>
           <a:p>
